--- a/Documentation/IMS Presentation.pptx
+++ b/Documentation/IMS Presentation.pptx
@@ -126,6 +126,7 @@
   <p1510:revLst>
     <p1510:client id="{0F206FFB-8283-43FD-8E43-4DA3878312B9}" v="1734" dt="2021-01-21T18:35:41.007"/>
     <p1510:client id="{84103A2A-D73D-D2F2-AE34-43F61A2456FC}" v="12" dt="2021-01-21T18:37:48.933"/>
+    <p1510:client id="{A1C1A12E-189B-2474-2449-9D798B2745F3}" v="65" dt="2021-01-22T09:48:28.908"/>
   </p1510:revLst>
 </p1510:revInfo>
 </file>
@@ -269,7 +270,7 @@
           <a:p>
             <a:fld id="{48A87A34-81AB-432B-8DAE-1953F412C126}" type="datetimeFigureOut">
               <a:rPr lang="en-US" dirty="0"/>
-              <a:t>1/21/2021</a:t>
+              <a:t>1/22/2021</a:t>
             </a:fld>
             <a:endParaRPr lang="en-US" dirty="0"/>
           </a:p>
@@ -475,7 +476,7 @@
           <a:p>
             <a:fld id="{48A87A34-81AB-432B-8DAE-1953F412C126}" type="datetimeFigureOut">
               <a:rPr lang="en-US" dirty="0"/>
-              <a:t>1/21/2021</a:t>
+              <a:t>1/22/2021</a:t>
             </a:fld>
             <a:endParaRPr lang="en-US" dirty="0"/>
           </a:p>
@@ -685,7 +686,7 @@
           <a:p>
             <a:fld id="{48A87A34-81AB-432B-8DAE-1953F412C126}" type="datetimeFigureOut">
               <a:rPr lang="en-US" dirty="0"/>
-              <a:t>1/21/2021</a:t>
+              <a:t>1/22/2021</a:t>
             </a:fld>
             <a:endParaRPr lang="en-US" dirty="0"/>
           </a:p>
@@ -881,7 +882,7 @@
           <a:p>
             <a:fld id="{48A87A34-81AB-432B-8DAE-1953F412C126}" type="datetimeFigureOut">
               <a:rPr lang="en-US" dirty="0"/>
-              <a:t>1/21/2021</a:t>
+              <a:t>1/22/2021</a:t>
             </a:fld>
             <a:endParaRPr lang="en-US" dirty="0"/>
           </a:p>
@@ -1155,7 +1156,7 @@
           <a:p>
             <a:fld id="{48A87A34-81AB-432B-8DAE-1953F412C126}" type="datetimeFigureOut">
               <a:rPr lang="en-US" dirty="0"/>
-              <a:t>1/21/2021</a:t>
+              <a:t>1/22/2021</a:t>
             </a:fld>
             <a:endParaRPr lang="en-US" dirty="0"/>
           </a:p>
@@ -1418,7 +1419,7 @@
           <a:p>
             <a:fld id="{48A87A34-81AB-432B-8DAE-1953F412C126}" type="datetimeFigureOut">
               <a:rPr lang="en-US" dirty="0"/>
-              <a:t>1/21/2021</a:t>
+              <a:t>1/22/2021</a:t>
             </a:fld>
             <a:endParaRPr lang="en-US" dirty="0"/>
           </a:p>
@@ -1829,7 +1830,7 @@
           <a:p>
             <a:fld id="{48A87A34-81AB-432B-8DAE-1953F412C126}" type="datetimeFigureOut">
               <a:rPr lang="en-US" dirty="0"/>
-              <a:t>1/21/2021</a:t>
+              <a:t>1/22/2021</a:t>
             </a:fld>
             <a:endParaRPr lang="en-US" dirty="0"/>
           </a:p>
@@ -1973,7 +1974,7 @@
           <a:p>
             <a:fld id="{48A87A34-81AB-432B-8DAE-1953F412C126}" type="datetimeFigureOut">
               <a:rPr lang="en-US" dirty="0"/>
-              <a:t>1/21/2021</a:t>
+              <a:t>1/22/2021</a:t>
             </a:fld>
             <a:endParaRPr lang="en-US" dirty="0"/>
           </a:p>
@@ -2094,7 +2095,7 @@
           <a:p>
             <a:fld id="{48A87A34-81AB-432B-8DAE-1953F412C126}" type="datetimeFigureOut">
               <a:rPr lang="en-US" dirty="0"/>
-              <a:t>1/21/2021</a:t>
+              <a:t>1/22/2021</a:t>
             </a:fld>
             <a:endParaRPr lang="en-US" dirty="0"/>
           </a:p>
@@ -2340,7 +2341,7 @@
           <a:p>
             <a:fld id="{48A87A34-81AB-432B-8DAE-1953F412C126}" type="datetimeFigureOut">
               <a:rPr lang="en-US" dirty="0"/>
-              <a:t>1/21/2021</a:t>
+              <a:t>1/22/2021</a:t>
             </a:fld>
             <a:endParaRPr lang="en-US" dirty="0"/>
           </a:p>
@@ -2781,7 +2782,7 @@
             <a:fld id="{48A87A34-81AB-432B-8DAE-1953F412C126}" type="datetimeFigureOut">
               <a:rPr lang="en-US" dirty="0"/>
               <a:pPr/>
-              <a:t>1/21/2021</a:t>
+              <a:t>1/22/2021</a:t>
             </a:fld>
             <a:endParaRPr lang="en-US" dirty="0"/>
           </a:p>
@@ -3103,7 +3104,7 @@
             <a:fld id="{48A87A34-81AB-432B-8DAE-1953F412C126}" type="datetimeFigureOut">
               <a:rPr lang="en-US" dirty="0"/>
               <a:pPr/>
-              <a:t>1/21/2021</a:t>
+              <a:t>1/22/2021</a:t>
             </a:fld>
             <a:endParaRPr lang="en-US" dirty="0"/>
           </a:p>
@@ -4326,7 +4327,7 @@
         </p:blipFill>
         <p:spPr>
           <a:xfrm>
-            <a:off x="1752325" y="2030690"/>
+            <a:off x="1035818" y="1951078"/>
             <a:ext cx="2315480" cy="3444663"/>
           </a:xfrm>
           <a:prstGeom prst="rect">
@@ -4336,10 +4337,10 @@
       </p:pic>
       <p:pic>
         <p:nvPicPr>
-          <p:cNvPr id="5" name="Picture 5" descr="Text&#10;&#10;Description automatically generated">
+          <p:cNvPr id="6" name="Picture 6" descr="A screenshot of a computer screen&#10;&#10;Description automatically generated">
             <a:extLst>
               <a:ext uri="{FF2B5EF4-FFF2-40B4-BE49-F238E27FC236}">
-                <a16:creationId xmlns:a16="http://schemas.microsoft.com/office/drawing/2014/main" id="{90951183-7694-4621-9C13-1E3C9A37231F}"/>
+                <a16:creationId xmlns:a16="http://schemas.microsoft.com/office/drawing/2014/main" id="{36DA1FE7-FADF-46D9-98FB-114B40D90F2B}"/>
               </a:ext>
             </a:extLst>
           </p:cNvPr>
@@ -4350,13 +4351,13 @@
         </p:nvPicPr>
         <p:blipFill rotWithShape="1">
           <a:blip r:embed="rId3"/>
-          <a:srcRect l="35650" t="70056" r="19184" b="7027"/>
+          <a:srcRect l="36234" t="72152" r="-178" b="316"/>
           <a:stretch/>
         </p:blipFill>
         <p:spPr>
           <a:xfrm>
-            <a:off x="4224338" y="2017011"/>
-            <a:ext cx="7200066" cy="2047042"/>
+            <a:off x="3689444" y="2020580"/>
+            <a:ext cx="8121881" cy="1977913"/>
           </a:xfrm>
           <a:prstGeom prst="rect">
             <a:avLst/>
@@ -4960,7 +4961,9 @@
         </p:nvSpPr>
         <p:spPr/>
         <p:txBody>
-          <a:bodyPr/>
+          <a:bodyPr>
+            <a:normAutofit fontScale="92500" lnSpcReduction="20000"/>
+          </a:bodyPr>
           <a:lstStyle/>
           <a:p>
             <a:pPr marL="0" indent="0">
@@ -5011,6 +5014,12 @@
             <a:r>
               <a:rPr lang="en-GB"/>
               <a:t>Not having all user stories as must haves</a:t>
+            </a:r>
+          </a:p>
+          <a:p>
+            <a:r>
+              <a:rPr lang="en-GB"/>
+              <a:t>Being able to create, read, update and delete without the system restarting all over</a:t>
             </a:r>
             <a:endParaRPr lang="en-GB" dirty="0"/>
           </a:p>

--- a/Documentation/IMS Presentation.pptx
+++ b/Documentation/IMS Presentation.pptx
@@ -126,7 +126,7 @@
   <p1510:revLst>
     <p1510:client id="{0F206FFB-8283-43FD-8E43-4DA3878312B9}" v="1734" dt="2021-01-21T18:35:41.007"/>
     <p1510:client id="{84103A2A-D73D-D2F2-AE34-43F61A2456FC}" v="12" dt="2021-01-21T18:37:48.933"/>
-    <p1510:client id="{A1C1A12E-189B-2474-2449-9D798B2745F3}" v="65" dt="2021-01-22T09:48:28.908"/>
+    <p1510:client id="{A1C1A12E-189B-2474-2449-9D798B2745F3}" v="68" dt="2021-01-22T11:23:25.801"/>
   </p1510:revLst>
 </p1510:revInfo>
 </file>
@@ -4863,7 +4863,7 @@
           <a:p>
             <a:r>
               <a:rPr lang="en-GB"/>
-              <a:t>I was able to complete each user story that</a:t>
+              <a:t>I was able to complete each user story </a:t>
             </a:r>
           </a:p>
           <a:p>
